--- a/Fii-Project-Keeper/prezentare.pptx
+++ b/Fii-Project-Keeper/prezentare.pptx
@@ -7886,11 +7886,7 @@
             </a:r>
             <a:r>
               <a:rPr lang="en-US" dirty="0" smtClean="0"/>
-              <a:t> </a:t>
-            </a:r>
-            <a:r>
-              <a:rPr lang="en-US" dirty="0" smtClean="0"/>
-              <a:t>din frontend cu </a:t>
+              <a:t> din frontend cu </a:t>
             </a:r>
             <a:r>
               <a:rPr lang="en-US" dirty="0" err="1" smtClean="0"/>
@@ -8077,7 +8073,7 @@
             <a:pPr lvl="1"/>
             <a:r>
               <a:rPr lang="en-US" dirty="0" smtClean="0"/>
-              <a:t>3   </a:t>
+              <a:t>1. </a:t>
             </a:r>
             <a:r>
               <a:rPr lang="en-US" dirty="0" err="1" smtClean="0"/>
@@ -8091,13 +8087,21 @@
               <a:rPr lang="en-US" dirty="0" err="1" smtClean="0"/>
               <a:t>aplicație</a:t>
             </a:r>
+            <a:r>
+              <a:rPr lang="en-US" dirty="0"/>
+              <a:t> </a:t>
+            </a:r>
+            <a:r>
+              <a:rPr lang="en-US" dirty="0" smtClean="0"/>
+              <a:t>				3</a:t>
+            </a:r>
             <a:endParaRPr lang="en-US" dirty="0" smtClean="0"/>
           </a:p>
           <a:p>
             <a:pPr lvl="1"/>
             <a:r>
               <a:rPr lang="en-US" dirty="0" smtClean="0"/>
-              <a:t>4   </a:t>
+              <a:t>2. </a:t>
             </a:r>
             <a:r>
               <a:rPr lang="en-US" dirty="0" err="1" smtClean="0"/>
@@ -8108,16 +8112,24 @@
               <a:t> </a:t>
             </a:r>
             <a:r>
-              <a:rPr lang="en-US" dirty="0" err="1" smtClean="0"/>
+              <a:rPr lang="en-US" dirty="0" err="1"/>
               <a:t>proces</a:t>
             </a:r>
+            <a:r>
+              <a:rPr lang="en-US" dirty="0"/>
+              <a:t> </a:t>
+            </a:r>
+            <a:r>
+              <a:rPr lang="en-US" dirty="0" smtClean="0"/>
+              <a:t>					4</a:t>
+            </a:r>
             <a:endParaRPr lang="en-US" dirty="0" smtClean="0"/>
           </a:p>
           <a:p>
             <a:pPr lvl="1"/>
             <a:r>
               <a:rPr lang="en-US" dirty="0" smtClean="0"/>
-              <a:t>5   </a:t>
+              <a:t>3. </a:t>
             </a:r>
             <a:r>
               <a:rPr lang="en-US" dirty="0" err="1" smtClean="0"/>
@@ -8125,14 +8137,27 @@
             </a:r>
             <a:r>
               <a:rPr lang="en-US" dirty="0" smtClean="0"/>
-              <a:t> Use Case</a:t>
-            </a:r>
+              <a:t> </a:t>
+            </a:r>
+            <a:r>
+              <a:rPr lang="en-US" dirty="0" smtClean="0"/>
+              <a:t>Use </a:t>
+            </a:r>
+            <a:r>
+              <a:rPr lang="en-US" dirty="0"/>
+              <a:t>Case </a:t>
+            </a:r>
+            <a:r>
+              <a:rPr lang="en-US" dirty="0" smtClean="0"/>
+              <a:t>				5</a:t>
+            </a:r>
+            <a:endParaRPr lang="en-US" dirty="0" smtClean="0"/>
           </a:p>
           <a:p>
             <a:pPr lvl="1"/>
             <a:r>
               <a:rPr lang="en-US" dirty="0" smtClean="0"/>
-              <a:t>6   </a:t>
+              <a:t>4. </a:t>
             </a:r>
             <a:r>
               <a:rPr lang="en-US" dirty="0" err="1" smtClean="0"/>
@@ -8146,25 +8171,37 @@
               <a:rPr lang="en-US" dirty="0" err="1" smtClean="0"/>
               <a:t>aplicație</a:t>
             </a:r>
+            <a:r>
+              <a:rPr lang="en-US" dirty="0"/>
+              <a:t> </a:t>
+            </a:r>
+            <a:r>
+              <a:rPr lang="en-US" dirty="0" smtClean="0"/>
+              <a:t>				6</a:t>
+            </a:r>
             <a:endParaRPr lang="en-US" dirty="0" smtClean="0"/>
           </a:p>
           <a:p>
             <a:pPr lvl="1"/>
             <a:r>
               <a:rPr lang="en-US" dirty="0" smtClean="0"/>
-              <a:t>15 </a:t>
+              <a:t>5. </a:t>
             </a:r>
             <a:r>
               <a:rPr lang="en-US" dirty="0" err="1" smtClean="0"/>
               <a:t>Arhitectura</a:t>
             </a:r>
+            <a:r>
+              <a:rPr lang="en-US" dirty="0" smtClean="0"/>
+              <a:t> 						15 </a:t>
+            </a:r>
             <a:endParaRPr lang="en-US" dirty="0" smtClean="0"/>
           </a:p>
           <a:p>
             <a:pPr lvl="1"/>
             <a:r>
               <a:rPr lang="en-US" dirty="0" smtClean="0"/>
-              <a:t>18 </a:t>
+              <a:t>6. </a:t>
             </a:r>
             <a:r>
               <a:rPr lang="en-US" dirty="0" err="1" smtClean="0"/>
@@ -8178,17 +8215,29 @@
               <a:rPr lang="en-US" dirty="0" err="1" smtClean="0"/>
               <a:t>Implementare</a:t>
             </a:r>
+            <a:r>
+              <a:rPr lang="en-US" dirty="0"/>
+              <a:t> </a:t>
+            </a:r>
+            <a:r>
+              <a:rPr lang="en-US" dirty="0" smtClean="0"/>
+              <a:t>			18</a:t>
+            </a:r>
             <a:endParaRPr lang="en-US" dirty="0" smtClean="0"/>
           </a:p>
           <a:p>
             <a:pPr lvl="1"/>
             <a:r>
               <a:rPr lang="en-US" dirty="0" smtClean="0"/>
-              <a:t>23 </a:t>
+              <a:t>7. </a:t>
             </a:r>
             <a:r>
               <a:rPr lang="en-US" dirty="0" err="1" smtClean="0"/>
               <a:t>Concluzii</a:t>
+            </a:r>
+            <a:r>
+              <a:rPr lang="en-US" dirty="0" smtClean="0"/>
+              <a:t> 						23</a:t>
             </a:r>
             <a:endParaRPr lang="en-US" dirty="0" smtClean="0"/>
           </a:p>
@@ -9377,7 +9426,11 @@
             </a:r>
             <a:r>
               <a:rPr lang="en-US" dirty="0" smtClean="0"/>
-              <a:t> x </a:t>
+              <a:t> </a:t>
+            </a:r>
+            <a:r>
+              <a:rPr lang="en-US" dirty="0" smtClean="0"/>
+              <a:t>2 </a:t>
             </a:r>
             <a:r>
               <a:rPr lang="en-US" dirty="0" err="1" smtClean="0"/>
@@ -9747,11 +9800,7 @@
             </a:r>
             <a:r>
               <a:rPr lang="en-US" dirty="0" smtClean="0"/>
-              <a:t> </a:t>
-            </a:r>
-            <a:r>
-              <a:rPr lang="en-US" dirty="0" smtClean="0"/>
-              <a:t>cu </a:t>
+              <a:t> cu </a:t>
             </a:r>
             <a:r>
               <a:rPr lang="en-US" dirty="0" err="1" smtClean="0"/>
@@ -9817,7 +9866,6 @@
               <a:rPr lang="en-US" dirty="0" smtClean="0"/>
               <a:t>.</a:t>
             </a:r>
-            <a:endParaRPr lang="en-US" dirty="0" smtClean="0"/>
           </a:p>
           <a:p>
             <a:endParaRPr lang="en-US" dirty="0"/>
@@ -9943,7 +9991,6 @@
               <a:rPr lang="en-US" dirty="0" smtClean="0"/>
               <a:t>.</a:t>
             </a:r>
-            <a:endParaRPr lang="en-US" dirty="0" smtClean="0"/>
           </a:p>
           <a:p>
             <a:pPr marL="109728" indent="0">
@@ -10115,7 +10162,6 @@
               <a:rPr lang="en-US" dirty="0" smtClean="0"/>
               <a:t>:</a:t>
             </a:r>
-            <a:endParaRPr lang="en-US" dirty="0" smtClean="0"/>
           </a:p>
           <a:p>
             <a:endParaRPr lang="en-US" dirty="0"/>
@@ -10144,11 +10190,7 @@
             </a:r>
             <a:r>
               <a:rPr lang="en-US" dirty="0" smtClean="0"/>
-              <a:t> </a:t>
-            </a:r>
-            <a:r>
-              <a:rPr lang="en-US" dirty="0" smtClean="0"/>
-              <a:t>de </a:t>
+              <a:t> de </a:t>
             </a:r>
             <a:r>
               <a:rPr lang="en-US" dirty="0" err="1" smtClean="0"/>
